--- a/mix/技术分享/deep.pptx
+++ b/mix/技术分享/deep.pptx
@@ -126,7 +126,7 @@
   </p:defaultTextStyle>
   <p:extLst>
     <p:ext uri="{EFAFB233-063F-42B5-8137-9DF3F51BA10A}">
-      <p15:sldGuideLst xmlns:p15="http://schemas.microsoft.com/office/powerpoint/2012/main" xmlns="">
+      <p15:sldGuideLst xmlns="" xmlns:p15="http://schemas.microsoft.com/office/powerpoint/2012/main">
         <p15:guide id="1" orient="horz" pos="2160">
           <p15:clr>
             <a:srgbClr val="A4A3A4"/>
@@ -1625,704 +1625,6 @@
       <dsp:cNvGrpSpPr/>
     </dsp:nvGrpSpPr>
     <dsp:grpSpPr/>
-    <dsp:sp modelId="{7D23EAEB-D37E-4391-A0D7-3F03E3861BB5}">
-      <dsp:nvSpPr>
-        <dsp:cNvPr id="0" name=""/>
-        <dsp:cNvSpPr/>
-      </dsp:nvSpPr>
-      <dsp:spPr>
-        <a:xfrm>
-          <a:off x="3688" y="1224738"/>
-          <a:ext cx="2130718" cy="1757397"/>
-        </a:xfrm>
-        <a:prstGeom prst="roundRect">
-          <a:avLst>
-            <a:gd name="adj" fmla="val 10000"/>
-          </a:avLst>
-        </a:prstGeom>
-        <a:solidFill>
-          <a:schemeClr val="lt1">
-            <a:alpha val="90000"/>
-            <a:hueOff val="0"/>
-            <a:satOff val="0"/>
-            <a:lumOff val="0"/>
-            <a:alphaOff val="0"/>
-          </a:schemeClr>
-        </a:solidFill>
-        <a:ln w="25400" cap="flat" cmpd="sng" algn="ctr">
-          <a:solidFill>
-            <a:schemeClr val="accent1">
-              <a:hueOff val="0"/>
-              <a:satOff val="0"/>
-              <a:lumOff val="0"/>
-              <a:alphaOff val="0"/>
-            </a:schemeClr>
-          </a:solidFill>
-          <a:prstDash val="solid"/>
-        </a:ln>
-        <a:effectLst/>
-      </dsp:spPr>
-      <dsp:style>
-        <a:lnRef idx="2">
-          <a:scrgbClr r="0" g="0" b="0"/>
-        </a:lnRef>
-        <a:fillRef idx="1">
-          <a:scrgbClr r="0" g="0" b="0"/>
-        </a:fillRef>
-        <a:effectRef idx="0">
-          <a:scrgbClr r="0" g="0" b="0"/>
-        </a:effectRef>
-        <a:fontRef idx="minor"/>
-      </dsp:style>
-      <dsp:txBody>
-        <a:bodyPr spcFirstLastPara="0" vert="horz" wrap="square" lIns="38100" tIns="38100" rIns="38100" bIns="38100" numCol="1" spcCol="1270" anchor="t" anchorCtr="0">
-          <a:noAutofit/>
-        </a:bodyPr>
-        <a:lstStyle/>
-        <a:p>
-          <a:pPr marL="228600" lvl="1" indent="-228600" algn="l" defTabSz="889000">
-            <a:lnSpc>
-              <a:spcPct val="90000"/>
-            </a:lnSpc>
-            <a:spcBef>
-              <a:spcPct val="0"/>
-            </a:spcBef>
-            <a:spcAft>
-              <a:spcPct val="15000"/>
-            </a:spcAft>
-            <a:buChar char="••"/>
-          </a:pPr>
-          <a:r>
-            <a:rPr lang="zh-CN" altLang="en-US" sz="2000" kern="1200" dirty="0" smtClean="0"/>
-            <a:t>首屏</a:t>
-          </a:r>
-          <a:r>
-            <a:rPr lang="en-US" altLang="zh-CN" sz="2000" kern="1200" dirty="0" smtClean="0"/>
-            <a:t>HTML</a:t>
-          </a:r>
-          <a:r>
-            <a:rPr lang="zh-CN" altLang="en-US" sz="2000" kern="1200" dirty="0" smtClean="0"/>
-            <a:t>渲染</a:t>
-          </a:r>
-          <a:endParaRPr lang="zh-CN" altLang="en-US" sz="2000" kern="1200" dirty="0"/>
-        </a:p>
-        <a:p>
-          <a:pPr marL="228600" lvl="1" indent="-228600" algn="l" defTabSz="889000">
-            <a:lnSpc>
-              <a:spcPct val="90000"/>
-            </a:lnSpc>
-            <a:spcBef>
-              <a:spcPct val="0"/>
-            </a:spcBef>
-            <a:spcAft>
-              <a:spcPct val="15000"/>
-            </a:spcAft>
-            <a:buChar char="••"/>
-          </a:pPr>
-          <a:r>
-            <a:rPr lang="zh-CN" altLang="en-US" sz="2000" kern="1200" dirty="0" smtClean="0"/>
-            <a:t>更多数据</a:t>
-          </a:r>
-          <a:r>
-            <a:rPr lang="en-US" altLang="zh-CN" sz="2000" kern="1200" dirty="0" err="1" smtClean="0"/>
-            <a:t>ajax</a:t>
-          </a:r>
-          <a:r>
-            <a:rPr lang="zh-CN" altLang="en-US" sz="2000" kern="1200" dirty="0" smtClean="0"/>
-            <a:t>加载</a:t>
-          </a:r>
-          <a:endParaRPr lang="zh-CN" altLang="en-US" sz="2000" kern="1200" dirty="0"/>
-        </a:p>
-      </dsp:txBody>
-      <dsp:txXfrm>
-        <a:off x="44131" y="1265181"/>
-        <a:ext cx="2049832" cy="1299926"/>
-      </dsp:txXfrm>
-    </dsp:sp>
-    <dsp:sp modelId="{141A074A-237A-4BD6-B31E-1D32D03395CF}">
-      <dsp:nvSpPr>
-        <dsp:cNvPr id="0" name=""/>
-        <dsp:cNvSpPr/>
-      </dsp:nvSpPr>
-      <dsp:spPr>
-        <a:xfrm>
-          <a:off x="1207643" y="1666809"/>
-          <a:ext cx="2315051" cy="2315051"/>
-        </a:xfrm>
-        <a:prstGeom prst="leftCircularArrow">
-          <a:avLst>
-            <a:gd name="adj1" fmla="val 3005"/>
-            <a:gd name="adj2" fmla="val 368554"/>
-            <a:gd name="adj3" fmla="val 2144065"/>
-            <a:gd name="adj4" fmla="val 9024489"/>
-            <a:gd name="adj5" fmla="val 3506"/>
-          </a:avLst>
-        </a:prstGeom>
-        <a:solidFill>
-          <a:schemeClr val="accent1">
-            <a:tint val="60000"/>
-            <a:hueOff val="0"/>
-            <a:satOff val="0"/>
-            <a:lumOff val="0"/>
-            <a:alphaOff val="0"/>
-          </a:schemeClr>
-        </a:solidFill>
-        <a:ln>
-          <a:noFill/>
-        </a:ln>
-        <a:effectLst/>
-      </dsp:spPr>
-      <dsp:style>
-        <a:lnRef idx="0">
-          <a:scrgbClr r="0" g="0" b="0"/>
-        </a:lnRef>
-        <a:fillRef idx="1">
-          <a:scrgbClr r="0" g="0" b="0"/>
-        </a:fillRef>
-        <a:effectRef idx="0">
-          <a:scrgbClr r="0" g="0" b="0"/>
-        </a:effectRef>
-        <a:fontRef idx="minor">
-          <a:schemeClr val="lt1"/>
-        </a:fontRef>
-      </dsp:style>
-    </dsp:sp>
-    <dsp:sp modelId="{F45D3531-B45D-4A96-8C72-6B4F59B4FAC8}">
-      <dsp:nvSpPr>
-        <dsp:cNvPr id="0" name=""/>
-        <dsp:cNvSpPr/>
-      </dsp:nvSpPr>
-      <dsp:spPr>
-        <a:xfrm>
-          <a:off x="477181" y="2605551"/>
-          <a:ext cx="1893972" cy="753170"/>
-        </a:xfrm>
-        <a:prstGeom prst="roundRect">
-          <a:avLst>
-            <a:gd name="adj" fmla="val 10000"/>
-          </a:avLst>
-        </a:prstGeom>
-        <a:solidFill>
-          <a:schemeClr val="accent1">
-            <a:hueOff val="0"/>
-            <a:satOff val="0"/>
-            <a:lumOff val="0"/>
-            <a:alphaOff val="0"/>
-          </a:schemeClr>
-        </a:solidFill>
-        <a:ln w="25400" cap="flat" cmpd="sng" algn="ctr">
-          <a:solidFill>
-            <a:schemeClr val="lt1">
-              <a:hueOff val="0"/>
-              <a:satOff val="0"/>
-              <a:lumOff val="0"/>
-              <a:alphaOff val="0"/>
-            </a:schemeClr>
-          </a:solidFill>
-          <a:prstDash val="solid"/>
-        </a:ln>
-        <a:effectLst/>
-      </dsp:spPr>
-      <dsp:style>
-        <a:lnRef idx="2">
-          <a:scrgbClr r="0" g="0" b="0"/>
-        </a:lnRef>
-        <a:fillRef idx="1">
-          <a:scrgbClr r="0" g="0" b="0"/>
-        </a:fillRef>
-        <a:effectRef idx="0">
-          <a:scrgbClr r="0" g="0" b="0"/>
-        </a:effectRef>
-        <a:fontRef idx="minor">
-          <a:schemeClr val="lt1"/>
-        </a:fontRef>
-      </dsp:style>
-      <dsp:txBody>
-        <a:bodyPr spcFirstLastPara="0" vert="horz" wrap="square" lIns="40005" tIns="26670" rIns="40005" bIns="26670" numCol="1" spcCol="1270" anchor="ctr" anchorCtr="0">
-          <a:noAutofit/>
-        </a:bodyPr>
-        <a:lstStyle/>
-        <a:p>
-          <a:pPr lvl="0" algn="ctr" defTabSz="933450">
-            <a:lnSpc>
-              <a:spcPct val="90000"/>
-            </a:lnSpc>
-            <a:spcBef>
-              <a:spcPct val="0"/>
-            </a:spcBef>
-            <a:spcAft>
-              <a:spcPct val="35000"/>
-            </a:spcAft>
-          </a:pPr>
-          <a:r>
-            <a:rPr lang="zh-CN" altLang="en-US" sz="2100" kern="1200" dirty="0" smtClean="0"/>
-            <a:t>浏览器</a:t>
-          </a:r>
-          <a:endParaRPr lang="zh-CN" altLang="en-US" sz="2100" kern="1200" dirty="0"/>
-        </a:p>
-      </dsp:txBody>
-      <dsp:txXfrm>
-        <a:off x="499241" y="2627611"/>
-        <a:ext cx="1849852" cy="709050"/>
-      </dsp:txXfrm>
-    </dsp:sp>
-    <dsp:sp modelId="{7AA4FDCC-32CC-4B22-92E4-88DB431B4110}">
-      <dsp:nvSpPr>
-        <dsp:cNvPr id="0" name=""/>
-        <dsp:cNvSpPr/>
-      </dsp:nvSpPr>
-      <dsp:spPr>
-        <a:xfrm>
-          <a:off x="2702467" y="1224738"/>
-          <a:ext cx="2130718" cy="1757397"/>
-        </a:xfrm>
-        <a:prstGeom prst="roundRect">
-          <a:avLst>
-            <a:gd name="adj" fmla="val 10000"/>
-          </a:avLst>
-        </a:prstGeom>
-        <a:solidFill>
-          <a:schemeClr val="lt1">
-            <a:alpha val="90000"/>
-            <a:hueOff val="0"/>
-            <a:satOff val="0"/>
-            <a:lumOff val="0"/>
-            <a:alphaOff val="0"/>
-          </a:schemeClr>
-        </a:solidFill>
-        <a:ln w="25400" cap="flat" cmpd="sng" algn="ctr">
-          <a:solidFill>
-            <a:schemeClr val="accent1">
-              <a:hueOff val="0"/>
-              <a:satOff val="0"/>
-              <a:lumOff val="0"/>
-              <a:alphaOff val="0"/>
-            </a:schemeClr>
-          </a:solidFill>
-          <a:prstDash val="solid"/>
-        </a:ln>
-        <a:effectLst/>
-      </dsp:spPr>
-      <dsp:style>
-        <a:lnRef idx="2">
-          <a:scrgbClr r="0" g="0" b="0"/>
-        </a:lnRef>
-        <a:fillRef idx="1">
-          <a:scrgbClr r="0" g="0" b="0"/>
-        </a:fillRef>
-        <a:effectRef idx="0">
-          <a:scrgbClr r="0" g="0" b="0"/>
-        </a:effectRef>
-        <a:fontRef idx="minor"/>
-      </dsp:style>
-      <dsp:txBody>
-        <a:bodyPr spcFirstLastPara="0" vert="horz" wrap="square" lIns="38100" tIns="38100" rIns="38100" bIns="38100" numCol="1" spcCol="1270" anchor="t" anchorCtr="0">
-          <a:noAutofit/>
-        </a:bodyPr>
-        <a:lstStyle/>
-        <a:p>
-          <a:pPr marL="228600" lvl="1" indent="-228600" algn="l" defTabSz="889000">
-            <a:lnSpc>
-              <a:spcPct val="90000"/>
-            </a:lnSpc>
-            <a:spcBef>
-              <a:spcPct val="0"/>
-            </a:spcBef>
-            <a:spcAft>
-              <a:spcPct val="15000"/>
-            </a:spcAft>
-            <a:buChar char="••"/>
-          </a:pPr>
-          <a:r>
-            <a:rPr lang="zh-CN" altLang="en-US" sz="2000" kern="1200" dirty="0" smtClean="0"/>
-            <a:t>生成</a:t>
-          </a:r>
-          <a:r>
-            <a:rPr lang="en-US" altLang="zh-CN" sz="2000" kern="1200" dirty="0" smtClean="0"/>
-            <a:t>HTML</a:t>
-          </a:r>
-          <a:r>
-            <a:rPr lang="zh-CN" altLang="en-US" sz="2000" kern="1200" dirty="0" smtClean="0"/>
-            <a:t>模板</a:t>
-          </a:r>
-          <a:endParaRPr lang="zh-CN" altLang="en-US" sz="2000" kern="1200" dirty="0"/>
-        </a:p>
-        <a:p>
-          <a:pPr marL="228600" lvl="1" indent="-228600" algn="l" defTabSz="889000">
-            <a:lnSpc>
-              <a:spcPct val="90000"/>
-            </a:lnSpc>
-            <a:spcBef>
-              <a:spcPct val="0"/>
-            </a:spcBef>
-            <a:spcAft>
-              <a:spcPct val="15000"/>
-            </a:spcAft>
-            <a:buChar char="••"/>
-          </a:pPr>
-          <a:r>
-            <a:rPr lang="zh-CN" altLang="en-US" sz="2000" kern="1200" dirty="0" smtClean="0"/>
-            <a:t>桥接后台</a:t>
-          </a:r>
-          <a:r>
-            <a:rPr lang="en-US" altLang="zh-CN" sz="2000" kern="1200" dirty="0" smtClean="0"/>
-            <a:t>API</a:t>
-          </a:r>
-          <a:r>
-            <a:rPr lang="zh-CN" altLang="en-US" sz="2000" kern="1200" dirty="0" smtClean="0"/>
-            <a:t>生成</a:t>
-          </a:r>
-          <a:r>
-            <a:rPr lang="en-US" altLang="zh-CN" sz="2000" kern="1200" dirty="0" smtClean="0"/>
-            <a:t>JSON</a:t>
-          </a:r>
-          <a:endParaRPr lang="zh-CN" altLang="en-US" sz="2000" kern="1200" dirty="0"/>
-        </a:p>
-      </dsp:txBody>
-      <dsp:txXfrm>
-        <a:off x="2742910" y="1641766"/>
-        <a:ext cx="2049832" cy="1299926"/>
-      </dsp:txXfrm>
-    </dsp:sp>
-    <dsp:sp modelId="{58012A2F-5496-4959-94D8-88BD1B7811D9}">
-      <dsp:nvSpPr>
-        <dsp:cNvPr id="0" name=""/>
-        <dsp:cNvSpPr/>
-      </dsp:nvSpPr>
-      <dsp:spPr>
-        <a:xfrm>
-          <a:off x="3888666" y="156107"/>
-          <a:ext cx="2587310" cy="2587310"/>
-        </a:xfrm>
-        <a:prstGeom prst="circularArrow">
-          <a:avLst>
-            <a:gd name="adj1" fmla="val 2689"/>
-            <a:gd name="adj2" fmla="val 327339"/>
-            <a:gd name="adj3" fmla="val 19497150"/>
-            <a:gd name="adj4" fmla="val 12575511"/>
-            <a:gd name="adj5" fmla="val 3137"/>
-          </a:avLst>
-        </a:prstGeom>
-        <a:solidFill>
-          <a:schemeClr val="accent1">
-            <a:tint val="60000"/>
-            <a:hueOff val="0"/>
-            <a:satOff val="0"/>
-            <a:lumOff val="0"/>
-            <a:alphaOff val="0"/>
-          </a:schemeClr>
-        </a:solidFill>
-        <a:ln>
-          <a:noFill/>
-        </a:ln>
-        <a:effectLst/>
-      </dsp:spPr>
-      <dsp:style>
-        <a:lnRef idx="0">
-          <a:scrgbClr r="0" g="0" b="0"/>
-        </a:lnRef>
-        <a:fillRef idx="1">
-          <a:scrgbClr r="0" g="0" b="0"/>
-        </a:fillRef>
-        <a:effectRef idx="0">
-          <a:scrgbClr r="0" g="0" b="0"/>
-        </a:effectRef>
-        <a:fontRef idx="minor">
-          <a:schemeClr val="lt1"/>
-        </a:fontRef>
-      </dsp:style>
-    </dsp:sp>
-    <dsp:sp modelId="{079811BD-B658-4CAD-9BF9-7596DC02E23E}">
-      <dsp:nvSpPr>
-        <dsp:cNvPr id="0" name=""/>
-        <dsp:cNvSpPr/>
-      </dsp:nvSpPr>
-      <dsp:spPr>
-        <a:xfrm>
-          <a:off x="3175960" y="848153"/>
-          <a:ext cx="1893972" cy="753170"/>
-        </a:xfrm>
-        <a:prstGeom prst="roundRect">
-          <a:avLst>
-            <a:gd name="adj" fmla="val 10000"/>
-          </a:avLst>
-        </a:prstGeom>
-        <a:solidFill>
-          <a:schemeClr val="accent1">
-            <a:hueOff val="0"/>
-            <a:satOff val="0"/>
-            <a:lumOff val="0"/>
-            <a:alphaOff val="0"/>
-          </a:schemeClr>
-        </a:solidFill>
-        <a:ln w="25400" cap="flat" cmpd="sng" algn="ctr">
-          <a:solidFill>
-            <a:schemeClr val="lt1">
-              <a:hueOff val="0"/>
-              <a:satOff val="0"/>
-              <a:lumOff val="0"/>
-              <a:alphaOff val="0"/>
-            </a:schemeClr>
-          </a:solidFill>
-          <a:prstDash val="solid"/>
-        </a:ln>
-        <a:effectLst/>
-      </dsp:spPr>
-      <dsp:style>
-        <a:lnRef idx="2">
-          <a:scrgbClr r="0" g="0" b="0"/>
-        </a:lnRef>
-        <a:fillRef idx="1">
-          <a:scrgbClr r="0" g="0" b="0"/>
-        </a:fillRef>
-        <a:effectRef idx="0">
-          <a:scrgbClr r="0" g="0" b="0"/>
-        </a:effectRef>
-        <a:fontRef idx="minor">
-          <a:schemeClr val="lt1"/>
-        </a:fontRef>
-      </dsp:style>
-      <dsp:txBody>
-        <a:bodyPr spcFirstLastPara="0" vert="horz" wrap="square" lIns="40005" tIns="26670" rIns="40005" bIns="26670" numCol="1" spcCol="1270" anchor="ctr" anchorCtr="0">
-          <a:noAutofit/>
-        </a:bodyPr>
-        <a:lstStyle/>
-        <a:p>
-          <a:pPr lvl="0" algn="ctr" defTabSz="933450">
-            <a:lnSpc>
-              <a:spcPct val="90000"/>
-            </a:lnSpc>
-            <a:spcBef>
-              <a:spcPct val="0"/>
-            </a:spcBef>
-            <a:spcAft>
-              <a:spcPct val="35000"/>
-            </a:spcAft>
-          </a:pPr>
-          <a:r>
-            <a:rPr lang="en-US" altLang="zh-CN" sz="2100" kern="1200" dirty="0" smtClean="0"/>
-            <a:t>Node</a:t>
-          </a:r>
-          <a:r>
-            <a:rPr lang="zh-CN" altLang="en-US" sz="2100" kern="1200" dirty="0" smtClean="0"/>
-            <a:t>服务器桥接层</a:t>
-          </a:r>
-          <a:endParaRPr lang="zh-CN" altLang="en-US" sz="2100" kern="1200" dirty="0"/>
-        </a:p>
-      </dsp:txBody>
-      <dsp:txXfrm>
-        <a:off x="3198020" y="870213"/>
-        <a:ext cx="1849852" cy="709050"/>
-      </dsp:txXfrm>
-    </dsp:sp>
-    <dsp:sp modelId="{ABE8998E-306D-4803-A7E6-6680DA4B18CC}">
-      <dsp:nvSpPr>
-        <dsp:cNvPr id="0" name=""/>
-        <dsp:cNvSpPr/>
-      </dsp:nvSpPr>
-      <dsp:spPr>
-        <a:xfrm>
-          <a:off x="5401246" y="1224738"/>
-          <a:ext cx="2130718" cy="1757397"/>
-        </a:xfrm>
-        <a:prstGeom prst="roundRect">
-          <a:avLst>
-            <a:gd name="adj" fmla="val 10000"/>
-          </a:avLst>
-        </a:prstGeom>
-        <a:solidFill>
-          <a:schemeClr val="lt1">
-            <a:alpha val="90000"/>
-            <a:hueOff val="0"/>
-            <a:satOff val="0"/>
-            <a:lumOff val="0"/>
-            <a:alphaOff val="0"/>
-          </a:schemeClr>
-        </a:solidFill>
-        <a:ln w="25400" cap="flat" cmpd="sng" algn="ctr">
-          <a:solidFill>
-            <a:schemeClr val="accent1">
-              <a:hueOff val="0"/>
-              <a:satOff val="0"/>
-              <a:lumOff val="0"/>
-              <a:alphaOff val="0"/>
-            </a:schemeClr>
-          </a:solidFill>
-          <a:prstDash val="solid"/>
-        </a:ln>
-        <a:effectLst/>
-      </dsp:spPr>
-      <dsp:style>
-        <a:lnRef idx="2">
-          <a:scrgbClr r="0" g="0" b="0"/>
-        </a:lnRef>
-        <a:fillRef idx="1">
-          <a:scrgbClr r="0" g="0" b="0"/>
-        </a:fillRef>
-        <a:effectRef idx="0">
-          <a:scrgbClr r="0" g="0" b="0"/>
-        </a:effectRef>
-        <a:fontRef idx="minor"/>
-      </dsp:style>
-      <dsp:txBody>
-        <a:bodyPr spcFirstLastPara="0" vert="horz" wrap="square" lIns="38100" tIns="38100" rIns="38100" bIns="38100" numCol="1" spcCol="1270" anchor="t" anchorCtr="0">
-          <a:noAutofit/>
-        </a:bodyPr>
-        <a:lstStyle/>
-        <a:p>
-          <a:pPr marL="228600" lvl="1" indent="-228600" algn="l" defTabSz="889000">
-            <a:lnSpc>
-              <a:spcPct val="90000"/>
-            </a:lnSpc>
-            <a:spcBef>
-              <a:spcPct val="0"/>
-            </a:spcBef>
-            <a:spcAft>
-              <a:spcPct val="15000"/>
-            </a:spcAft>
-            <a:buChar char="••"/>
-          </a:pPr>
-          <a:r>
-            <a:rPr lang="zh-CN" altLang="en-US" sz="2000" kern="1200" dirty="0" smtClean="0"/>
-            <a:t>数据库</a:t>
-          </a:r>
-          <a:endParaRPr lang="zh-CN" altLang="en-US" sz="2000" kern="1200" dirty="0"/>
-        </a:p>
-        <a:p>
-          <a:pPr marL="228600" lvl="1" indent="-228600" algn="l" defTabSz="889000">
-            <a:lnSpc>
-              <a:spcPct val="90000"/>
-            </a:lnSpc>
-            <a:spcBef>
-              <a:spcPct val="0"/>
-            </a:spcBef>
-            <a:spcAft>
-              <a:spcPct val="15000"/>
-            </a:spcAft>
-            <a:buChar char="••"/>
-          </a:pPr>
-          <a:r>
-            <a:rPr lang="zh-CN" altLang="en-US" sz="2000" kern="1200" dirty="0" smtClean="0"/>
-            <a:t>数据业务逻辑</a:t>
-          </a:r>
-          <a:endParaRPr lang="zh-CN" altLang="en-US" sz="2000" kern="1200" dirty="0"/>
-        </a:p>
-        <a:p>
-          <a:pPr marL="228600" lvl="1" indent="-228600" algn="l" defTabSz="889000">
-            <a:lnSpc>
-              <a:spcPct val="90000"/>
-            </a:lnSpc>
-            <a:spcBef>
-              <a:spcPct val="0"/>
-            </a:spcBef>
-            <a:spcAft>
-              <a:spcPct val="15000"/>
-            </a:spcAft>
-            <a:buChar char="••"/>
-          </a:pPr>
-          <a:r>
-            <a:rPr lang="en-US" altLang="zh-CN" sz="2000" kern="1200" dirty="0" smtClean="0"/>
-            <a:t>API</a:t>
-          </a:r>
-          <a:r>
-            <a:rPr lang="zh-CN" altLang="en-US" sz="2000" kern="1200" dirty="0" smtClean="0"/>
-            <a:t>接口</a:t>
-          </a:r>
-          <a:r>
-            <a:rPr lang="en-US" altLang="zh-CN" sz="2000" kern="1200" dirty="0" smtClean="0"/>
-            <a:t>(JSON)</a:t>
-          </a:r>
-          <a:endParaRPr lang="zh-CN" altLang="en-US" sz="2000" kern="1200" dirty="0"/>
-        </a:p>
-      </dsp:txBody>
-      <dsp:txXfrm>
-        <a:off x="5441689" y="1265181"/>
-        <a:ext cx="2049832" cy="1299926"/>
-      </dsp:txXfrm>
-    </dsp:sp>
-    <dsp:sp modelId="{F6F21C20-1013-4807-8D38-0FBB9EDDA75B}">
-      <dsp:nvSpPr>
-        <dsp:cNvPr id="0" name=""/>
-        <dsp:cNvSpPr/>
-      </dsp:nvSpPr>
-      <dsp:spPr>
-        <a:xfrm>
-          <a:off x="5874739" y="2605551"/>
-          <a:ext cx="1893972" cy="753170"/>
-        </a:xfrm>
-        <a:prstGeom prst="roundRect">
-          <a:avLst>
-            <a:gd name="adj" fmla="val 10000"/>
-          </a:avLst>
-        </a:prstGeom>
-        <a:solidFill>
-          <a:schemeClr val="accent1">
-            <a:hueOff val="0"/>
-            <a:satOff val="0"/>
-            <a:lumOff val="0"/>
-            <a:alphaOff val="0"/>
-          </a:schemeClr>
-        </a:solidFill>
-        <a:ln w="25400" cap="flat" cmpd="sng" algn="ctr">
-          <a:solidFill>
-            <a:schemeClr val="lt1">
-              <a:hueOff val="0"/>
-              <a:satOff val="0"/>
-              <a:lumOff val="0"/>
-              <a:alphaOff val="0"/>
-            </a:schemeClr>
-          </a:solidFill>
-          <a:prstDash val="solid"/>
-        </a:ln>
-        <a:effectLst/>
-      </dsp:spPr>
-      <dsp:style>
-        <a:lnRef idx="2">
-          <a:scrgbClr r="0" g="0" b="0"/>
-        </a:lnRef>
-        <a:fillRef idx="1">
-          <a:scrgbClr r="0" g="0" b="0"/>
-        </a:fillRef>
-        <a:effectRef idx="0">
-          <a:scrgbClr r="0" g="0" b="0"/>
-        </a:effectRef>
-        <a:fontRef idx="minor">
-          <a:schemeClr val="lt1"/>
-        </a:fontRef>
-      </dsp:style>
-      <dsp:txBody>
-        <a:bodyPr spcFirstLastPara="0" vert="horz" wrap="square" lIns="40005" tIns="26670" rIns="40005" bIns="26670" numCol="1" spcCol="1270" anchor="ctr" anchorCtr="0">
-          <a:noAutofit/>
-        </a:bodyPr>
-        <a:lstStyle/>
-        <a:p>
-          <a:pPr lvl="0" algn="ctr" defTabSz="933450">
-            <a:lnSpc>
-              <a:spcPct val="90000"/>
-            </a:lnSpc>
-            <a:spcBef>
-              <a:spcPct val="0"/>
-            </a:spcBef>
-            <a:spcAft>
-              <a:spcPct val="35000"/>
-            </a:spcAft>
-          </a:pPr>
-          <a:r>
-            <a:rPr lang="en-US" altLang="zh-CN" sz="2100" kern="1200" dirty="0" smtClean="0"/>
-            <a:t>Server</a:t>
-          </a:r>
-          <a:r>
-            <a:rPr lang="zh-CN" altLang="en-US" sz="2100" kern="1200" dirty="0" smtClean="0"/>
-            <a:t>后台服务程序</a:t>
-          </a:r>
-          <a:endParaRPr lang="zh-CN" altLang="en-US" sz="2100" kern="1200" dirty="0"/>
-        </a:p>
-      </dsp:txBody>
-      <dsp:txXfrm>
-        <a:off x="5896799" y="2627611"/>
-        <a:ext cx="1849852" cy="709050"/>
-      </dsp:txXfrm>
-    </dsp:sp>
   </dsp:spTree>
 </dsp:drawing>
 </file>
@@ -4081,7 +3383,7 @@
           <a:p>
             <a:fld id="{530820CF-B880-4189-942D-D702A7CBA730}" type="datetimeFigureOut">
               <a:rPr lang="zh-CN" altLang="en-US" smtClean="0"/>
-              <a:t>2016/11/4</a:t>
+              <a:t>2016/11/8</a:t>
             </a:fld>
             <a:endParaRPr lang="zh-CN" altLang="en-US"/>
           </a:p>
@@ -4251,7 +3553,7 @@
           <a:p>
             <a:fld id="{530820CF-B880-4189-942D-D702A7CBA730}" type="datetimeFigureOut">
               <a:rPr lang="zh-CN" altLang="en-US" smtClean="0"/>
-              <a:t>2016/11/4</a:t>
+              <a:t>2016/11/8</a:t>
             </a:fld>
             <a:endParaRPr lang="zh-CN" altLang="en-US"/>
           </a:p>
@@ -4474,7 +3776,7 @@
           <a:p>
             <a:fld id="{530820CF-B880-4189-942D-D702A7CBA730}" type="datetimeFigureOut">
               <a:rPr lang="zh-CN" altLang="en-US" smtClean="0"/>
-              <a:t>2016/11/4</a:t>
+              <a:t>2016/11/8</a:t>
             </a:fld>
             <a:endParaRPr lang="zh-CN" altLang="en-US"/>
           </a:p>
@@ -4654,7 +3956,7 @@
           <a:p>
             <a:fld id="{530820CF-B880-4189-942D-D702A7CBA730}" type="datetimeFigureOut">
               <a:rPr lang="zh-CN" altLang="en-US" smtClean="0"/>
-              <a:t>2016/11/4</a:t>
+              <a:t>2016/11/8</a:t>
             </a:fld>
             <a:endParaRPr lang="zh-CN" altLang="en-US"/>
           </a:p>
@@ -4960,7 +4262,7 @@
           <a:p>
             <a:fld id="{530820CF-B880-4189-942D-D702A7CBA730}" type="datetimeFigureOut">
               <a:rPr lang="zh-CN" altLang="en-US" smtClean="0"/>
-              <a:t>2016/11/4</a:t>
+              <a:t>2016/11/8</a:t>
             </a:fld>
             <a:endParaRPr lang="zh-CN" altLang="en-US"/>
           </a:p>
@@ -5264,7 +4566,7 @@
           <a:p>
             <a:fld id="{530820CF-B880-4189-942D-D702A7CBA730}" type="datetimeFigureOut">
               <a:rPr lang="zh-CN" altLang="en-US" smtClean="0"/>
-              <a:t>2016/11/4</a:t>
+              <a:t>2016/11/8</a:t>
             </a:fld>
             <a:endParaRPr lang="zh-CN" altLang="en-US"/>
           </a:p>
@@ -5686,7 +4988,7 @@
           <a:p>
             <a:fld id="{530820CF-B880-4189-942D-D702A7CBA730}" type="datetimeFigureOut">
               <a:rPr lang="zh-CN" altLang="en-US" smtClean="0"/>
-              <a:t>2016/11/4</a:t>
+              <a:t>2016/11/8</a:t>
             </a:fld>
             <a:endParaRPr lang="zh-CN" altLang="en-US"/>
           </a:p>
@@ -5804,7 +5106,7 @@
           <a:p>
             <a:fld id="{530820CF-B880-4189-942D-D702A7CBA730}" type="datetimeFigureOut">
               <a:rPr lang="zh-CN" altLang="en-US" smtClean="0"/>
-              <a:t>2016/11/4</a:t>
+              <a:t>2016/11/8</a:t>
             </a:fld>
             <a:endParaRPr lang="zh-CN" altLang="en-US"/>
           </a:p>
@@ -5899,7 +5201,7 @@
           <a:p>
             <a:fld id="{530820CF-B880-4189-942D-D702A7CBA730}" type="datetimeFigureOut">
               <a:rPr lang="zh-CN" altLang="en-US" smtClean="0"/>
-              <a:t>2016/11/4</a:t>
+              <a:t>2016/11/8</a:t>
             </a:fld>
             <a:endParaRPr lang="zh-CN" altLang="en-US"/>
           </a:p>
@@ -6172,7 +5474,7 @@
           <a:p>
             <a:fld id="{530820CF-B880-4189-942D-D702A7CBA730}" type="datetimeFigureOut">
               <a:rPr lang="zh-CN" altLang="en-US" smtClean="0"/>
-              <a:t>2016/11/4</a:t>
+              <a:t>2016/11/8</a:t>
             </a:fld>
             <a:endParaRPr lang="zh-CN" altLang="en-US"/>
           </a:p>
@@ -6437,7 +5739,7 @@
           <a:p>
             <a:fld id="{530820CF-B880-4189-942D-D702A7CBA730}" type="datetimeFigureOut">
               <a:rPr lang="zh-CN" altLang="en-US" smtClean="0"/>
-              <a:t>2016/11/4</a:t>
+              <a:t>2016/11/8</a:t>
             </a:fld>
             <a:endParaRPr lang="zh-CN" altLang="en-US"/>
           </a:p>
@@ -6686,7 +5988,7 @@
           <a:p>
             <a:fld id="{530820CF-B880-4189-942D-D702A7CBA730}" type="datetimeFigureOut">
               <a:rPr lang="zh-CN" altLang="en-US" smtClean="0"/>
-              <a:t>2016/11/4</a:t>
+              <a:t>2016/11/8</a:t>
             </a:fld>
             <a:endParaRPr lang="zh-CN" altLang="en-US"/>
           </a:p>
@@ -8954,11 +8256,7 @@
             </a:r>
             <a:r>
               <a:rPr lang="en-US" altLang="zh-CN" sz="1600" dirty="0" smtClean="0"/>
-              <a:t>){</a:t>
-            </a:r>
-            <a:r>
-              <a:rPr lang="en-US" altLang="zh-CN" sz="1600" dirty="0" smtClean="0"/>
-              <a:t>//</a:t>
+              <a:t>){//</a:t>
             </a:r>
             <a:r>
               <a:rPr lang="zh-CN" altLang="en-US" sz="1600" dirty="0" smtClean="0"/>
@@ -9020,11 +8318,7 @@
             </a:r>
             <a:r>
               <a:rPr lang="en-US" altLang="zh-CN" sz="1600" dirty="0" smtClean="0"/>
-              <a:t>(chunk){</a:t>
-            </a:r>
-            <a:r>
-              <a:rPr lang="en-US" altLang="zh-CN" sz="1600" dirty="0" smtClean="0"/>
-              <a:t>//</a:t>
+              <a:t>(chunk){//</a:t>
             </a:r>
             <a:r>
               <a:rPr lang="zh-CN" altLang="en-US" sz="1600" dirty="0" smtClean="0"/>
@@ -9049,10 +8343,6 @@
               <a:rPr lang="en-US" altLang="zh-CN" sz="1600" dirty="0" smtClean="0"/>
               <a:t>+=chunk;</a:t>
             </a:r>
-            <a:r>
-              <a:rPr lang="en-US" altLang="zh-CN" sz="1600" dirty="0" smtClean="0"/>
-              <a:t/>
-            </a:r>
             <a:br>
               <a:rPr lang="en-US" altLang="zh-CN" sz="1600" dirty="0" smtClean="0"/>
             </a:br>
@@ -9135,7 +8425,6 @@
               <a:rPr lang="en-US" altLang="zh-CN" sz="1600" dirty="0" smtClean="0"/>
               <a:t>		})</a:t>
             </a:r>
-            <a:endParaRPr lang="en-US" altLang="zh-CN" sz="1600" dirty="0" smtClean="0"/>
           </a:p>
         </p:txBody>
       </p:sp>
@@ -9845,7 +9134,23 @@
             </a:r>
             <a:r>
               <a:rPr lang="zh-CN" altLang="en-US" sz="1600" dirty="0" smtClean="0"/>
-              <a:t>没有上下文切换带来额外开销</a:t>
+              <a:t>没有上下文切换带来</a:t>
+            </a:r>
+            <a:r>
+              <a:rPr lang="zh-CN" altLang="en-US" sz="1600" dirty="0" smtClean="0"/>
+              <a:t>额外开销</a:t>
+            </a:r>
+            <a:r>
+              <a:rPr lang="en-US" altLang="zh-CN" sz="1600" dirty="0" smtClean="0"/>
+              <a:t>,</a:t>
+            </a:r>
+            <a:r>
+              <a:rPr lang="zh-CN" altLang="en-US" sz="1600" dirty="0"/>
+              <a:t>避免了线程调度的</a:t>
+            </a:r>
+            <a:r>
+              <a:rPr lang="zh-CN" altLang="en-US" sz="1600" dirty="0" smtClean="0"/>
+              <a:t>复杂性</a:t>
             </a:r>
             <a:endParaRPr lang="en-US" altLang="zh-CN" sz="1600" dirty="0" smtClean="0"/>
           </a:p>
@@ -9929,7 +9234,11 @@
             </a:pPr>
             <a:r>
               <a:rPr lang="zh-CN" altLang="en-US" sz="1600" dirty="0" smtClean="0"/>
-              <a:t>解决大计算量问题的方案：子进程，将计算分发到各个子进程可分解掉大量计算任务，通过进程之间的事件消息来传递计算结果</a:t>
+              <a:t>解决</a:t>
+            </a:r>
+            <a:r>
+              <a:rPr lang="zh-CN" altLang="en-US" sz="1600" dirty="0" smtClean="0"/>
+              <a:t>大计算量问题的方案：子进程，将计算分发到各个子进程可分解掉大量计算任务，通过进程之间的事件消息来传递计算结果</a:t>
             </a:r>
             <a:r>
               <a:rPr lang="en-US" altLang="zh-CN" sz="1600" dirty="0" smtClean="0"/>
@@ -10193,6 +9502,156 @@
               <a:buFont typeface="Wingdings" panose="05000000000000000000" pitchFamily="2" charset="2"/>
               <a:buChar char="Ø"/>
             </a:pPr>
+            <a:r>
+              <a:rPr lang="zh-CN" altLang="en-US" sz="1600" dirty="0" smtClean="0"/>
+              <a:t>通过</a:t>
+            </a:r>
+            <a:r>
+              <a:rPr lang="en-US" altLang="zh-CN" sz="1600" dirty="0" err="1"/>
+              <a:t>child_process</a:t>
+            </a:r>
+            <a:r>
+              <a:rPr lang="zh-CN" altLang="en-US" sz="1600" dirty="0"/>
+              <a:t>模块，可以在程序中直接创建子进程，并使用主进程和子进程之间实现通信，等到子进程运行结束以后，主进程再用回调函数读取子进程的运行</a:t>
+            </a:r>
+            <a:r>
+              <a:rPr lang="zh-CN" altLang="en-US" sz="1600" dirty="0" smtClean="0"/>
+              <a:t>结果</a:t>
+            </a:r>
+            <a:endParaRPr lang="en-US" altLang="zh-CN" sz="1600" dirty="0" smtClean="0"/>
+          </a:p>
+          <a:p>
+            <a:pPr>
+              <a:lnSpc>
+                <a:spcPct val="150000"/>
+              </a:lnSpc>
+              <a:buFont typeface="Wingdings" panose="05000000000000000000" pitchFamily="2" charset="2"/>
+              <a:buChar char="Ø"/>
+            </a:pPr>
+            <a:r>
+              <a:rPr lang="en-US" altLang="zh-CN" sz="1600" dirty="0" err="1" smtClean="0"/>
+              <a:t>child_process</a:t>
+            </a:r>
+            <a:r>
+              <a:rPr lang="zh-CN" altLang="en-US" sz="1600" dirty="0" smtClean="0"/>
+              <a:t>模块中主要封装了</a:t>
+            </a:r>
+            <a:r>
+              <a:rPr lang="en-US" altLang="zh-CN" sz="1600" dirty="0" err="1" smtClean="0"/>
+              <a:t>spawn,exec,execFile,fork</a:t>
+            </a:r>
+            <a:r>
+              <a:rPr lang="zh-CN" altLang="en-US" sz="1600" dirty="0"/>
+              <a:t>四个异步进程</a:t>
+            </a:r>
+            <a:r>
+              <a:rPr lang="zh-CN" altLang="en-US" sz="1600" dirty="0" smtClean="0"/>
+              <a:t>函数</a:t>
+            </a:r>
+            <a:r>
+              <a:rPr lang="en-US" altLang="zh-CN" sz="1600" dirty="0" smtClean="0"/>
+              <a:t>,spawn</a:t>
+            </a:r>
+            <a:r>
+              <a:rPr lang="zh-CN" altLang="en-US" sz="1600" dirty="0"/>
+              <a:t>是最基本的创建子进程的</a:t>
+            </a:r>
+            <a:r>
+              <a:rPr lang="zh-CN" altLang="en-US" sz="1600" dirty="0" smtClean="0"/>
+              <a:t>函数</a:t>
+            </a:r>
+            <a:r>
+              <a:rPr lang="en-US" altLang="zh-CN" sz="1600" dirty="0" smtClean="0"/>
+              <a:t>,</a:t>
+            </a:r>
+            <a:r>
+              <a:rPr lang="zh-CN" altLang="en-US" sz="1600" dirty="0"/>
+              <a:t>会返回一个带有</a:t>
+            </a:r>
+            <a:r>
+              <a:rPr lang="en-US" altLang="zh-CN" sz="1600" dirty="0" err="1"/>
+              <a:t>stdout</a:t>
+            </a:r>
+            <a:r>
+              <a:rPr lang="zh-CN" altLang="en-US" sz="1600" dirty="0"/>
+              <a:t>和</a:t>
+            </a:r>
+            <a:r>
+              <a:rPr lang="en-US" altLang="zh-CN" sz="1600" dirty="0" err="1"/>
+              <a:t>stderr</a:t>
+            </a:r>
+            <a:r>
+              <a:rPr lang="zh-CN" altLang="en-US" sz="1600" dirty="0"/>
+              <a:t>流的</a:t>
+            </a:r>
+            <a:r>
+              <a:rPr lang="zh-CN" altLang="en-US" sz="1600" dirty="0" smtClean="0"/>
+              <a:t>对象</a:t>
+            </a:r>
+            <a:r>
+              <a:rPr lang="en-US" altLang="zh-CN" sz="1600" dirty="0" smtClean="0"/>
+              <a:t>,</a:t>
+            </a:r>
+            <a:r>
+              <a:rPr lang="zh-CN" altLang="en-US" sz="1600" dirty="0"/>
+              <a:t>可以通过</a:t>
+            </a:r>
+            <a:r>
+              <a:rPr lang="en-US" altLang="zh-CN" sz="1600" dirty="0" err="1"/>
+              <a:t>stdout</a:t>
+            </a:r>
+            <a:r>
+              <a:rPr lang="zh-CN" altLang="en-US" sz="1600" dirty="0"/>
+              <a:t>流来读取子进程返回给</a:t>
+            </a:r>
+            <a:r>
+              <a:rPr lang="en-US" altLang="zh-CN" sz="1600" dirty="0"/>
+              <a:t>Node.js</a:t>
+            </a:r>
+            <a:r>
+              <a:rPr lang="zh-CN" altLang="en-US" sz="1600"/>
+              <a:t>的</a:t>
+            </a:r>
+            <a:r>
+              <a:rPr lang="zh-CN" altLang="en-US" sz="1600" smtClean="0"/>
+              <a:t>数据</a:t>
+            </a:r>
+            <a:r>
+              <a:rPr lang="zh-CN" altLang="en-US" sz="1600"/>
+              <a:t>。</a:t>
+            </a:r>
+            <a:r>
+              <a:rPr lang="zh-CN" altLang="en-US" sz="1600" smtClean="0"/>
+              <a:t>其他</a:t>
+            </a:r>
+            <a:r>
+              <a:rPr lang="zh-CN" altLang="en-US" sz="1600" dirty="0"/>
+              <a:t>三个异步函数都是对</a:t>
+            </a:r>
+            <a:r>
+              <a:rPr lang="en-US" altLang="zh-CN" sz="1600" dirty="0"/>
+              <a:t>spawn</a:t>
+            </a:r>
+            <a:r>
+              <a:rPr lang="zh-CN" altLang="en-US" sz="1600" dirty="0"/>
+              <a:t>不同程度的封装。</a:t>
+            </a:r>
+            <a:r>
+              <a:rPr lang="en-US" altLang="zh-CN" sz="1600" dirty="0"/>
+              <a:t>spawn</a:t>
+            </a:r>
+            <a:r>
+              <a:rPr lang="zh-CN" altLang="en-US" sz="1600" dirty="0"/>
+              <a:t>只能运行指定的程序，参数需要在列表中给出，而</a:t>
+            </a:r>
+            <a:r>
+              <a:rPr lang="en-US" altLang="zh-CN" sz="1600" dirty="0"/>
+              <a:t>exec</a:t>
+            </a:r>
+            <a:r>
+              <a:rPr lang="zh-CN" altLang="en-US" sz="1600" dirty="0"/>
+              <a:t>可以直接运行复杂的命令。</a:t>
+            </a:r>
             <a:endParaRPr lang="en-US" altLang="zh-CN" sz="1600" dirty="0"/>
           </a:p>
         </p:txBody>
@@ -11807,7 +11266,7 @@
   <a:extraClrSchemeLst/>
   <a:extLst>
     <a:ext uri="{05A4C25C-085E-4340-85A3-A5531E510DB2}">
-      <thm15:themeFamily xmlns:thm15="http://schemas.microsoft.com/office/thememl/2012/main" xmlns="" name="Banded" id="{98DFF888-2449-4D28-977C-6306C017633E}" vid="{9792607F-9579-4224-82FF-9C88C3E1E53D}"/>
+      <thm15:themeFamily xmlns="" xmlns:thm15="http://schemas.microsoft.com/office/thememl/2012/main" name="Banded" id="{98DFF888-2449-4D28-977C-6306C017633E}" vid="{9792607F-9579-4224-82FF-9C88C3E1E53D}"/>
     </a:ext>
   </a:extLst>
 </a:theme>
